--- a/Submit/KC housing.pptx
+++ b/Submit/KC housing.pptx
@@ -5,7 +5,7 @@
     <p:sldMasterId id="2147483680" r:id="rId1"/>
   </p:sldMasterIdLst>
   <p:notesMasterIdLst>
-    <p:notesMasterId r:id="rId14"/>
+    <p:notesMasterId r:id="rId13"/>
   </p:notesMasterIdLst>
   <p:sldIdLst>
     <p:sldId id="256" r:id="rId2"/>
@@ -17,27 +17,26 @@
     <p:sldId id="270" r:id="rId8"/>
     <p:sldId id="266" r:id="rId9"/>
     <p:sldId id="267" r:id="rId10"/>
-    <p:sldId id="268" r:id="rId11"/>
-    <p:sldId id="257" r:id="rId12"/>
-    <p:sldId id="264" r:id="rId13"/>
+    <p:sldId id="257" r:id="rId11"/>
+    <p:sldId id="264" r:id="rId12"/>
   </p:sldIdLst>
   <p:sldSz cx="9144000" cy="5143500" type="screen16x9"/>
   <p:notesSz cx="7315200" cy="9601200"/>
   <p:embeddedFontLst>
     <p:embeddedFont>
       <p:font typeface="Century Gothic" panose="020B0502020202020204" pitchFamily="34" charset="0"/>
-      <p:regular r:id="rId15"/>
-      <p:bold r:id="rId16"/>
-      <p:italic r:id="rId17"/>
-      <p:boldItalic r:id="rId18"/>
+      <p:regular r:id="rId14"/>
+      <p:bold r:id="rId15"/>
+      <p:italic r:id="rId16"/>
+      <p:boldItalic r:id="rId17"/>
     </p:embeddedFont>
     <p:embeddedFont>
       <p:font typeface="Copperplate Gothic Bold" panose="020E0705020206020404" pitchFamily="34" charset="0"/>
-      <p:regular r:id="rId19"/>
+      <p:regular r:id="rId18"/>
     </p:embeddedFont>
     <p:embeddedFont>
       <p:font typeface="Wingdings 3" panose="05040102010807070707" pitchFamily="18" charset="2"/>
-      <p:regular r:id="rId20"/>
+      <p:regular r:id="rId19"/>
     </p:embeddedFont>
   </p:embeddedFontLst>
   <p:defaultTextStyle>
@@ -1464,7 +1463,7 @@
           <a:p>
             <a:fld id="{4AAD347D-5ACD-4C99-B74B-A9C85AD731AF}" type="datetimeFigureOut">
               <a:rPr lang="en-US" smtClean="0"/>
-              <a:t>8/13/2022</a:t>
+              <a:t>8/14/2022</a:t>
             </a:fld>
             <a:endParaRPr lang="en-US" dirty="0"/>
           </a:p>
@@ -1749,7 +1748,7 @@
           <a:p>
             <a:fld id="{4509A250-FF31-4206-8172-F9D3106AACB1}" type="datetimeFigureOut">
               <a:rPr lang="en-US" smtClean="0"/>
-              <a:t>8/13/2022</a:t>
+              <a:t>8/14/2022</a:t>
             </a:fld>
             <a:endParaRPr lang="en-US" dirty="0"/>
           </a:p>
@@ -1953,7 +1952,7 @@
           <a:p>
             <a:fld id="{4509A250-FF31-4206-8172-F9D3106AACB1}" type="datetimeFigureOut">
               <a:rPr lang="en-US" smtClean="0"/>
-              <a:t>8/13/2022</a:t>
+              <a:t>8/14/2022</a:t>
             </a:fld>
             <a:endParaRPr lang="en-US" dirty="0"/>
           </a:p>
@@ -2231,7 +2230,7 @@
           <a:p>
             <a:fld id="{4AAD347D-5ACD-4C99-B74B-A9C85AD731AF}" type="datetimeFigureOut">
               <a:rPr lang="en-US" smtClean="0"/>
-              <a:t>8/13/2022</a:t>
+              <a:t>8/14/2022</a:t>
             </a:fld>
             <a:endParaRPr lang="en-US" dirty="0"/>
           </a:p>
@@ -2573,7 +2572,7 @@
           <a:p>
             <a:fld id="{4509A250-FF31-4206-8172-F9D3106AACB1}" type="datetimeFigureOut">
               <a:rPr lang="en-US" smtClean="0"/>
-              <a:t>8/13/2022</a:t>
+              <a:t>8/14/2022</a:t>
             </a:fld>
             <a:endParaRPr lang="en-US" dirty="0"/>
           </a:p>
@@ -3193,7 +3192,7 @@
           <a:p>
             <a:fld id="{4509A250-FF31-4206-8172-F9D3106AACB1}" type="datetimeFigureOut">
               <a:rPr lang="en-US" smtClean="0"/>
-              <a:t>8/13/2022</a:t>
+              <a:t>8/14/2022</a:t>
             </a:fld>
             <a:endParaRPr lang="en-US" dirty="0"/>
           </a:p>
@@ -4050,7 +4049,7 @@
           <a:p>
             <a:fld id="{4509A250-FF31-4206-8172-F9D3106AACB1}" type="datetimeFigureOut">
               <a:rPr lang="en-US" smtClean="0"/>
-              <a:t>8/13/2022</a:t>
+              <a:t>8/14/2022</a:t>
             </a:fld>
             <a:endParaRPr lang="en-US" dirty="0"/>
           </a:p>
@@ -4230,7 +4229,7 @@
           <a:p>
             <a:fld id="{4509A250-FF31-4206-8172-F9D3106AACB1}" type="datetimeFigureOut">
               <a:rPr lang="en-US" smtClean="0"/>
-              <a:t>8/13/2022</a:t>
+              <a:t>8/14/2022</a:t>
             </a:fld>
             <a:endParaRPr lang="en-US" dirty="0"/>
           </a:p>
@@ -4420,7 +4419,7 @@
           <a:p>
             <a:fld id="{4509A250-FF31-4206-8172-F9D3106AACB1}" type="datetimeFigureOut">
               <a:rPr lang="en-US" smtClean="0"/>
-              <a:t>8/13/2022</a:t>
+              <a:t>8/14/2022</a:t>
             </a:fld>
             <a:endParaRPr lang="en-US" dirty="0"/>
           </a:p>
@@ -5213,7 +5212,7 @@
           <a:p>
             <a:fld id="{4509A250-FF31-4206-8172-F9D3106AACB1}" type="datetimeFigureOut">
               <a:rPr lang="en-US" smtClean="0"/>
-              <a:t>8/13/2022</a:t>
+              <a:t>8/14/2022</a:t>
             </a:fld>
             <a:endParaRPr lang="en-US" dirty="0"/>
           </a:p>
@@ -5467,7 +5466,7 @@
           <a:p>
             <a:fld id="{9796027F-7875-4030-9381-8BD8C4F21935}" type="datetimeFigureOut">
               <a:rPr lang="en-US" smtClean="0"/>
-              <a:t>8/13/2022</a:t>
+              <a:t>8/14/2022</a:t>
             </a:fld>
             <a:endParaRPr lang="en-US" dirty="0"/>
           </a:p>
@@ -5769,7 +5768,7 @@
           <a:p>
             <a:fld id="{9796027F-7875-4030-9381-8BD8C4F21935}" type="datetimeFigureOut">
               <a:rPr lang="en-US" smtClean="0"/>
-              <a:t>8/13/2022</a:t>
+              <a:t>8/14/2022</a:t>
             </a:fld>
             <a:endParaRPr lang="en-US" dirty="0"/>
           </a:p>
@@ -6217,7 +6216,7 @@
           <a:p>
             <a:fld id="{9796027F-7875-4030-9381-8BD8C4F21935}" type="datetimeFigureOut">
               <a:rPr lang="en-US" smtClean="0"/>
-              <a:t>8/13/2022</a:t>
+              <a:t>8/14/2022</a:t>
             </a:fld>
             <a:endParaRPr lang="en-US" dirty="0"/>
           </a:p>
@@ -6345,7 +6344,7 @@
           <a:p>
             <a:fld id="{4509A250-FF31-4206-8172-F9D3106AACB1}" type="datetimeFigureOut">
               <a:rPr lang="en-US" smtClean="0"/>
-              <a:t>8/13/2022</a:t>
+              <a:t>8/14/2022</a:t>
             </a:fld>
             <a:endParaRPr lang="en-US" dirty="0"/>
           </a:p>
@@ -6450,7 +6449,7 @@
           <a:p>
             <a:fld id="{4509A250-FF31-4206-8172-F9D3106AACB1}" type="datetimeFigureOut">
               <a:rPr lang="en-US" smtClean="0"/>
-              <a:t>8/13/2022</a:t>
+              <a:t>8/14/2022</a:t>
             </a:fld>
             <a:endParaRPr lang="en-US" dirty="0"/>
           </a:p>
@@ -6738,7 +6737,7 @@
           <a:p>
             <a:fld id="{4509A250-FF31-4206-8172-F9D3106AACB1}" type="datetimeFigureOut">
               <a:rPr lang="en-US" smtClean="0"/>
-              <a:t>8/13/2022</a:t>
+              <a:t>8/14/2022</a:t>
             </a:fld>
             <a:endParaRPr lang="en-US" dirty="0"/>
           </a:p>
@@ -7023,7 +7022,7 @@
           <a:p>
             <a:fld id="{4509A250-FF31-4206-8172-F9D3106AACB1}" type="datetimeFigureOut">
               <a:rPr lang="en-US" smtClean="0"/>
-              <a:t>8/13/2022</a:t>
+              <a:t>8/14/2022</a:t>
             </a:fld>
             <a:endParaRPr lang="en-US" dirty="0"/>
           </a:p>
@@ -7462,7 +7461,7 @@
           <a:p>
             <a:fld id="{4AAD347D-5ACD-4C99-B74B-A9C85AD731AF}" type="datetimeFigureOut">
               <a:rPr lang="en-US" smtClean="0"/>
-              <a:t>8/13/2022</a:t>
+              <a:t>8/14/2022</a:t>
             </a:fld>
             <a:endParaRPr lang="en-US" dirty="0"/>
           </a:p>
@@ -8072,94 +8071,6 @@
   <p:cSld>
     <p:spTree>
       <p:nvGrpSpPr>
-        <p:cNvPr id="1" name=""/>
-        <p:cNvGrpSpPr/>
-        <p:nvPr/>
-      </p:nvGrpSpPr>
-      <p:grpSpPr>
-        <a:xfrm>
-          <a:off x="0" y="0"/>
-          <a:ext cx="0" cy="0"/>
-          <a:chOff x="0" y="0"/>
-          <a:chExt cx="0" cy="0"/>
-        </a:xfrm>
-      </p:grpSpPr>
-      <p:sp>
-        <p:nvSpPr>
-          <p:cNvPr id="2" name="Title 1">
-            <a:extLst>
-              <a:ext uri="{FF2B5EF4-FFF2-40B4-BE49-F238E27FC236}">
-                <a16:creationId xmlns:a16="http://schemas.microsoft.com/office/drawing/2014/main" id="{79413FE3-1CE1-392F-C048-C854E4264826}"/>
-              </a:ext>
-            </a:extLst>
-          </p:cNvPr>
-          <p:cNvSpPr>
-            <a:spLocks noGrp="1"/>
-          </p:cNvSpPr>
-          <p:nvPr>
-            <p:ph type="title"/>
-          </p:nvPr>
-        </p:nvSpPr>
-        <p:spPr/>
-        <p:txBody>
-          <a:bodyPr/>
-          <a:lstStyle/>
-          <a:p>
-            <a:endParaRPr lang="en-AU" dirty="0"/>
-          </a:p>
-        </p:txBody>
-      </p:sp>
-      <p:sp>
-        <p:nvSpPr>
-          <p:cNvPr id="3" name="Text Placeholder 2">
-            <a:extLst>
-              <a:ext uri="{FF2B5EF4-FFF2-40B4-BE49-F238E27FC236}">
-                <a16:creationId xmlns:a16="http://schemas.microsoft.com/office/drawing/2014/main" id="{064B3BFB-3B20-24F4-49EC-74BF802045C4}"/>
-              </a:ext>
-            </a:extLst>
-          </p:cNvPr>
-          <p:cNvSpPr>
-            <a:spLocks noGrp="1"/>
-          </p:cNvSpPr>
-          <p:nvPr>
-            <p:ph type="body" idx="1"/>
-          </p:nvPr>
-        </p:nvSpPr>
-        <p:spPr>
-          <a:xfrm>
-            <a:off x="311700" y="1229380"/>
-            <a:ext cx="8520600" cy="3416400"/>
-          </a:xfrm>
-        </p:spPr>
-        <p:txBody>
-          <a:bodyPr/>
-          <a:lstStyle/>
-          <a:p>
-            <a:pPr marL="114300" indent="0">
-              <a:buNone/>
-            </a:pPr>
-            <a:endParaRPr lang="en-AU" dirty="0"/>
-          </a:p>
-        </p:txBody>
-      </p:sp>
-    </p:spTree>
-    <p:extLst>
-      <p:ext uri="{BB962C8B-B14F-4D97-AF65-F5344CB8AC3E}">
-        <p14:creationId xmlns:p14="http://schemas.microsoft.com/office/powerpoint/2010/main" val="2168079731"/>
-      </p:ext>
-    </p:extLst>
-  </p:cSld>
-  <p:clrMapOvr>
-    <a:masterClrMapping/>
-  </p:clrMapOvr>
-</p:sld>
-</file>
-
-<file path=ppt/slides/slide11.xml><?xml version="1.0" encoding="utf-8"?>
-<p:sld xmlns:a="http://schemas.openxmlformats.org/drawingml/2006/main" xmlns:r="http://schemas.openxmlformats.org/officeDocument/2006/relationships" xmlns:p="http://schemas.openxmlformats.org/presentationml/2006/main">
-  <p:cSld>
-    <p:spTree>
-      <p:nvGrpSpPr>
         <p:cNvPr id="1" name="Shape 64"/>
         <p:cNvGrpSpPr/>
         <p:nvPr/>
@@ -8237,10 +8148,86 @@
               </a:spcAft>
               <a:buNone/>
             </a:pPr>
+            <a:r>
+              <a:rPr lang="en-AU" dirty="0"/>
+              <a:t>Coefficient of determination : R Squared is between 0-1, higher is better.</a:t>
+            </a:r>
+          </a:p>
+          <a:p>
+            <a:pPr marL="0" lvl="0" indent="0">
+              <a:spcAft>
+                <a:spcPts val="1600"/>
+              </a:spcAft>
+              <a:buNone/>
+            </a:pPr>
+            <a:r>
+              <a:rPr lang="en-AU" dirty="0"/>
+              <a:t>MSE : lower the better.</a:t>
+            </a:r>
+          </a:p>
+          <a:p>
+            <a:pPr marL="0" lvl="0" indent="0">
+              <a:spcAft>
+                <a:spcPts val="1600"/>
+              </a:spcAft>
+              <a:buNone/>
+            </a:pPr>
+            <a:r>
+              <a:rPr lang="en-AU"/>
+              <a:t> </a:t>
+            </a:r>
+            <a:endParaRPr lang="en-AU" dirty="0"/>
+          </a:p>
+          <a:p>
+            <a:pPr marL="0" lvl="0" indent="0">
+              <a:spcAft>
+                <a:spcPts val="1600"/>
+              </a:spcAft>
+              <a:buNone/>
+            </a:pPr>
+            <a:endParaRPr lang="en-AU" dirty="0"/>
+          </a:p>
+          <a:p>
+            <a:pPr marL="0" lvl="0" indent="0">
+              <a:spcAft>
+                <a:spcPts val="1600"/>
+              </a:spcAft>
+              <a:buNone/>
+            </a:pPr>
             <a:endParaRPr dirty="0"/>
           </a:p>
         </p:txBody>
       </p:sp>
+      <p:pic>
+        <p:nvPicPr>
+          <p:cNvPr id="2" name="Picture 1">
+            <a:extLst>
+              <a:ext uri="{FF2B5EF4-FFF2-40B4-BE49-F238E27FC236}">
+                <a16:creationId xmlns:a16="http://schemas.microsoft.com/office/drawing/2014/main" id="{C1DA57E0-8D46-72AF-A63B-CFCAAD72BF4C}"/>
+              </a:ext>
+            </a:extLst>
+          </p:cNvPr>
+          <p:cNvPicPr>
+            <a:picLocks noChangeAspect="1"/>
+          </p:cNvPicPr>
+          <p:nvPr/>
+        </p:nvPicPr>
+        <p:blipFill>
+          <a:blip r:embed="rId3"/>
+          <a:stretch>
+            <a:fillRect/>
+          </a:stretch>
+        </p:blipFill>
+        <p:spPr>
+          <a:xfrm>
+            <a:off x="351836" y="3065358"/>
+            <a:ext cx="8440328" cy="1105054"/>
+          </a:xfrm>
+          <a:prstGeom prst="rect">
+            <a:avLst/>
+          </a:prstGeom>
+        </p:spPr>
+      </p:pic>
     </p:spTree>
   </p:cSld>
   <p:clrMapOvr>
@@ -8249,7 +8236,7 @@
 </p:sld>
 </file>
 
-<file path=ppt/slides/slide12.xml><?xml version="1.0" encoding="utf-8"?>
+<file path=ppt/slides/slide11.xml><?xml version="1.0" encoding="utf-8"?>
 <p:sld xmlns:a="http://schemas.openxmlformats.org/drawingml/2006/main" xmlns:r="http://schemas.openxmlformats.org/officeDocument/2006/relationships" xmlns:p="http://schemas.openxmlformats.org/presentationml/2006/main">
   <p:cSld>
     <p:spTree>
@@ -8627,7 +8614,7 @@
             </a:pPr>
             <a:r>
               <a:rPr lang="en-US" sz="1600" dirty="0"/>
-              <a:t>After recognizing continuous variable and discreet variables. I performed One Hot Encoding, which produced additional columns to be a total of132 columns</a:t>
+              <a:t>After recognizing continuous variable and discreet variables. I performed One Hot Encoding, which produced additional columns to be a total of 88 columns</a:t>
             </a:r>
           </a:p>
         </p:txBody>
@@ -8731,10 +8718,10 @@
       </p:sp>
       <p:pic>
         <p:nvPicPr>
-          <p:cNvPr id="5" name="Picture 4">
+          <p:cNvPr id="7" name="Picture 6">
             <a:extLst>
               <a:ext uri="{FF2B5EF4-FFF2-40B4-BE49-F238E27FC236}">
-                <a16:creationId xmlns:a16="http://schemas.microsoft.com/office/drawing/2014/main" id="{ED27F769-6196-29B3-4805-F4187E61107E}"/>
+                <a16:creationId xmlns:a16="http://schemas.microsoft.com/office/drawing/2014/main" id="{8B271BA0-FE09-EAE8-80BB-9D57763967F6}"/>
               </a:ext>
             </a:extLst>
           </p:cNvPr>
@@ -8751,38 +8738,8 @@
         </p:blipFill>
         <p:spPr>
           <a:xfrm>
-            <a:off x="3266768" y="2285610"/>
-            <a:ext cx="3347661" cy="2186839"/>
-          </a:xfrm>
-          <a:prstGeom prst="rect">
-            <a:avLst/>
-          </a:prstGeom>
-        </p:spPr>
-      </p:pic>
-      <p:pic>
-        <p:nvPicPr>
-          <p:cNvPr id="3" name="Picture 2">
-            <a:extLst>
-              <a:ext uri="{FF2B5EF4-FFF2-40B4-BE49-F238E27FC236}">
-                <a16:creationId xmlns:a16="http://schemas.microsoft.com/office/drawing/2014/main" id="{47F936B6-FF74-9EC7-AFEA-15482173E043}"/>
-              </a:ext>
-            </a:extLst>
-          </p:cNvPr>
-          <p:cNvPicPr>
-            <a:picLocks noChangeAspect="1"/>
-          </p:cNvPicPr>
-          <p:nvPr/>
-        </p:nvPicPr>
-        <p:blipFill>
-          <a:blip r:embed="rId4"/>
-          <a:stretch>
-            <a:fillRect/>
-          </a:stretch>
-        </p:blipFill>
-        <p:spPr>
-          <a:xfrm>
-            <a:off x="1074472" y="1017725"/>
-            <a:ext cx="6101243" cy="4006880"/>
+            <a:off x="1648907" y="1017725"/>
+            <a:ext cx="5643045" cy="3699590"/>
           </a:xfrm>
           <a:prstGeom prst="rect">
             <a:avLst/>
@@ -8900,10 +8857,10 @@
       </p:sp>
       <p:pic>
         <p:nvPicPr>
-          <p:cNvPr id="8" name="Picture 7">
+          <p:cNvPr id="5" name="Picture 4">
             <a:extLst>
               <a:ext uri="{FF2B5EF4-FFF2-40B4-BE49-F238E27FC236}">
-                <a16:creationId xmlns:a16="http://schemas.microsoft.com/office/drawing/2014/main" id="{3B867A3A-D5A8-8112-B566-2CA01F9C52FE}"/>
+                <a16:creationId xmlns:a16="http://schemas.microsoft.com/office/drawing/2014/main" id="{32F4218B-ACB7-7F8D-C065-AC19577F2D8C}"/>
               </a:ext>
             </a:extLst>
           </p:cNvPr>
@@ -8920,8 +8877,8 @@
         </p:blipFill>
         <p:spPr>
           <a:xfrm>
-            <a:off x="1474420" y="1152475"/>
-            <a:ext cx="5771038" cy="3876070"/>
+            <a:off x="1596802" y="1017725"/>
+            <a:ext cx="5950395" cy="4014800"/>
           </a:xfrm>
           <a:prstGeom prst="rect">
             <a:avLst/>
@@ -9010,7 +8967,7 @@
           <a:p>
             <a:r>
               <a:rPr lang="en-AU" dirty="0"/>
-              <a:t>Created simple regression model with these two variables.</a:t>
+              <a:t>Created simple regression model with these three variables.</a:t>
             </a:r>
           </a:p>
           <a:p>
@@ -9023,10 +8980,10 @@
       </p:sp>
       <p:pic>
         <p:nvPicPr>
-          <p:cNvPr id="6" name="Picture 5">
+          <p:cNvPr id="5" name="Picture 4">
             <a:extLst>
               <a:ext uri="{FF2B5EF4-FFF2-40B4-BE49-F238E27FC236}">
-                <a16:creationId xmlns:a16="http://schemas.microsoft.com/office/drawing/2014/main" id="{11B900F7-92D2-3A12-5341-4B5411865072}"/>
+                <a16:creationId xmlns:a16="http://schemas.microsoft.com/office/drawing/2014/main" id="{01104446-3B79-1CD2-C56F-104269CA7E10}"/>
               </a:ext>
             </a:extLst>
           </p:cNvPr>
@@ -9043,8 +9000,8 @@
         </p:blipFill>
         <p:spPr>
           <a:xfrm>
-            <a:off x="3039522" y="2063722"/>
-            <a:ext cx="3064956" cy="1198671"/>
+            <a:off x="2637641" y="2198801"/>
+            <a:ext cx="3483001" cy="1792224"/>
           </a:xfrm>
           <a:prstGeom prst="rect">
             <a:avLst/>
@@ -9278,10 +9235,10 @@
           <a:p>
             <a:pPr algn="ctr"/>
             <a:r>
-              <a:rPr lang="en" b="1" dirty="0"/>
-              <a:t>Simple regression model with two variables</a:t>
-            </a:r>
-            <a:endParaRPr lang="en-AU" b="1" dirty="0"/>
+              <a:rPr lang="en" sz="2800" b="1" dirty="0"/>
+              <a:t>Simple regression model with three variables</a:t>
+            </a:r>
+            <a:endParaRPr lang="en-AU" sz="2800" b="1" dirty="0"/>
           </a:p>
         </p:txBody>
       </p:sp>
@@ -9316,10 +9273,10 @@
       </p:sp>
       <p:pic>
         <p:nvPicPr>
-          <p:cNvPr id="6" name="Picture 5">
+          <p:cNvPr id="5" name="Picture 4">
             <a:extLst>
               <a:ext uri="{FF2B5EF4-FFF2-40B4-BE49-F238E27FC236}">
-                <a16:creationId xmlns:a16="http://schemas.microsoft.com/office/drawing/2014/main" id="{7CA7504D-B4F7-95E0-B1FA-3314637AC39C}"/>
+                <a16:creationId xmlns:a16="http://schemas.microsoft.com/office/drawing/2014/main" id="{5FBC151A-2D25-B1CF-6760-4AB8949BDD7A}"/>
               </a:ext>
             </a:extLst>
           </p:cNvPr>
@@ -9336,8 +9293,8 @@
         </p:blipFill>
         <p:spPr>
           <a:xfrm>
-            <a:off x="462478" y="2009335"/>
-            <a:ext cx="8369822" cy="701899"/>
+            <a:off x="751942" y="2214512"/>
+            <a:ext cx="7640116" cy="714475"/>
           </a:xfrm>
           <a:prstGeom prst="rect">
             <a:avLst/>
@@ -9442,6 +9399,36 @@
           </a:p>
         </p:txBody>
       </p:sp>
+      <p:pic>
+        <p:nvPicPr>
+          <p:cNvPr id="5" name="Picture 4">
+            <a:extLst>
+              <a:ext uri="{FF2B5EF4-FFF2-40B4-BE49-F238E27FC236}">
+                <a16:creationId xmlns:a16="http://schemas.microsoft.com/office/drawing/2014/main" id="{0EED4508-585A-4CB3-BEF0-487FFD6F1DDE}"/>
+              </a:ext>
+            </a:extLst>
+          </p:cNvPr>
+          <p:cNvPicPr>
+            <a:picLocks noChangeAspect="1"/>
+          </p:cNvPicPr>
+          <p:nvPr/>
+        </p:nvPicPr>
+        <p:blipFill>
+          <a:blip r:embed="rId2"/>
+          <a:stretch>
+            <a:fillRect/>
+          </a:stretch>
+        </p:blipFill>
+        <p:spPr>
+          <a:xfrm>
+            <a:off x="351836" y="2019223"/>
+            <a:ext cx="8440328" cy="1105054"/>
+          </a:xfrm>
+          <a:prstGeom prst="rect">
+            <a:avLst/>
+          </a:prstGeom>
+        </p:spPr>
+      </p:pic>
     </p:spTree>
     <p:extLst>
       <p:ext uri="{BB962C8B-B14F-4D97-AF65-F5344CB8AC3E}">
